--- a/Chap/OOProg02/Presentations/InheritanceInterfaces.pptx
+++ b/Chap/OOProg02/Presentations/InheritanceInterfaces.pptx
@@ -246,7 +246,7 @@
           <a:p>
             <a:fld id="{E15B7D8E-2A20-4C0E-991C-872DBB7459A8}" type="datetimeFigureOut">
               <a:rPr lang="da-DK" smtClean="0"/>
-              <a:t>12-08-2022</a:t>
+              <a:t>26-08-2024</a:t>
             </a:fld>
             <a:endParaRPr lang="da-DK"/>
           </a:p>
@@ -304,6 +304,18 @@
   <p:clrMapOvr>
     <a:masterClrMapping/>
   </p:clrMapOvr>
+  <mc:AlternateContent xmlns:mc="http://schemas.openxmlformats.org/markup-compatibility/2006">
+    <mc:Choice xmlns:p14="http://schemas.microsoft.com/office/powerpoint/2010/main" Requires="p14">
+      <p:transition spd="med" p14:dur="700">
+        <p:fade/>
+      </p:transition>
+    </mc:Choice>
+    <mc:Fallback>
+      <p:transition spd="med">
+        <p:fade/>
+      </p:transition>
+    </mc:Fallback>
+  </mc:AlternateContent>
 </p:sldLayout>
 </file>
 
@@ -414,7 +426,7 @@
           <a:p>
             <a:fld id="{E15B7D8E-2A20-4C0E-991C-872DBB7459A8}" type="datetimeFigureOut">
               <a:rPr lang="da-DK" smtClean="0"/>
-              <a:t>12-08-2022</a:t>
+              <a:t>26-08-2024</a:t>
             </a:fld>
             <a:endParaRPr lang="da-DK"/>
           </a:p>
@@ -472,6 +484,18 @@
   <p:clrMapOvr>
     <a:masterClrMapping/>
   </p:clrMapOvr>
+  <mc:AlternateContent xmlns:mc="http://schemas.openxmlformats.org/markup-compatibility/2006">
+    <mc:Choice xmlns:p14="http://schemas.microsoft.com/office/powerpoint/2010/main" Requires="p14">
+      <p:transition spd="med" p14:dur="700">
+        <p:fade/>
+      </p:transition>
+    </mc:Choice>
+    <mc:Fallback>
+      <p:transition spd="med">
+        <p:fade/>
+      </p:transition>
+    </mc:Fallback>
+  </mc:AlternateContent>
 </p:sldLayout>
 </file>
 
@@ -592,7 +616,7 @@
           <a:p>
             <a:fld id="{E15B7D8E-2A20-4C0E-991C-872DBB7459A8}" type="datetimeFigureOut">
               <a:rPr lang="da-DK" smtClean="0"/>
-              <a:t>12-08-2022</a:t>
+              <a:t>26-08-2024</a:t>
             </a:fld>
             <a:endParaRPr lang="da-DK"/>
           </a:p>
@@ -650,6 +674,18 @@
   <p:clrMapOvr>
     <a:masterClrMapping/>
   </p:clrMapOvr>
+  <mc:AlternateContent xmlns:mc="http://schemas.openxmlformats.org/markup-compatibility/2006">
+    <mc:Choice xmlns:p14="http://schemas.microsoft.com/office/powerpoint/2010/main" Requires="p14">
+      <p:transition spd="med" p14:dur="700">
+        <p:fade/>
+      </p:transition>
+    </mc:Choice>
+    <mc:Fallback>
+      <p:transition spd="med">
+        <p:fade/>
+      </p:transition>
+    </mc:Fallback>
+  </mc:AlternateContent>
 </p:sldLayout>
 </file>
 
@@ -760,7 +796,7 @@
           <a:p>
             <a:fld id="{E15B7D8E-2A20-4C0E-991C-872DBB7459A8}" type="datetimeFigureOut">
               <a:rPr lang="da-DK" smtClean="0"/>
-              <a:t>12-08-2022</a:t>
+              <a:t>26-08-2024</a:t>
             </a:fld>
             <a:endParaRPr lang="da-DK"/>
           </a:p>
@@ -818,6 +854,18 @@
   <p:clrMapOvr>
     <a:masterClrMapping/>
   </p:clrMapOvr>
+  <mc:AlternateContent xmlns:mc="http://schemas.openxmlformats.org/markup-compatibility/2006">
+    <mc:Choice xmlns:p14="http://schemas.microsoft.com/office/powerpoint/2010/main" Requires="p14">
+      <p:transition spd="med" p14:dur="700">
+        <p:fade/>
+      </p:transition>
+    </mc:Choice>
+    <mc:Fallback>
+      <p:transition spd="med">
+        <p:fade/>
+      </p:transition>
+    </mc:Fallback>
+  </mc:AlternateContent>
 </p:sldLayout>
 </file>
 
@@ -1005,7 +1053,7 @@
           <a:p>
             <a:fld id="{E15B7D8E-2A20-4C0E-991C-872DBB7459A8}" type="datetimeFigureOut">
               <a:rPr lang="da-DK" smtClean="0"/>
-              <a:t>12-08-2022</a:t>
+              <a:t>26-08-2024</a:t>
             </a:fld>
             <a:endParaRPr lang="da-DK"/>
           </a:p>
@@ -1063,6 +1111,18 @@
   <p:clrMapOvr>
     <a:masterClrMapping/>
   </p:clrMapOvr>
+  <mc:AlternateContent xmlns:mc="http://schemas.openxmlformats.org/markup-compatibility/2006">
+    <mc:Choice xmlns:p14="http://schemas.microsoft.com/office/powerpoint/2010/main" Requires="p14">
+      <p:transition spd="med" p14:dur="700">
+        <p:fade/>
+      </p:transition>
+    </mc:Choice>
+    <mc:Fallback>
+      <p:transition spd="med">
+        <p:fade/>
+      </p:transition>
+    </mc:Fallback>
+  </mc:AlternateContent>
 </p:sldLayout>
 </file>
 
@@ -1234,7 +1294,7 @@
           <a:p>
             <a:fld id="{E15B7D8E-2A20-4C0E-991C-872DBB7459A8}" type="datetimeFigureOut">
               <a:rPr lang="da-DK" smtClean="0"/>
-              <a:t>12-08-2022</a:t>
+              <a:t>26-08-2024</a:t>
             </a:fld>
             <a:endParaRPr lang="da-DK"/>
           </a:p>
@@ -1292,6 +1352,18 @@
   <p:clrMapOvr>
     <a:masterClrMapping/>
   </p:clrMapOvr>
+  <mc:AlternateContent xmlns:mc="http://schemas.openxmlformats.org/markup-compatibility/2006">
+    <mc:Choice xmlns:p14="http://schemas.microsoft.com/office/powerpoint/2010/main" Requires="p14">
+      <p:transition spd="med" p14:dur="700">
+        <p:fade/>
+      </p:transition>
+    </mc:Choice>
+    <mc:Fallback>
+      <p:transition spd="med">
+        <p:fade/>
+      </p:transition>
+    </mc:Fallback>
+  </mc:AlternateContent>
 </p:sldLayout>
 </file>
 
@@ -1598,7 +1670,7 @@
           <a:p>
             <a:fld id="{E15B7D8E-2A20-4C0E-991C-872DBB7459A8}" type="datetimeFigureOut">
               <a:rPr lang="da-DK" smtClean="0"/>
-              <a:t>12-08-2022</a:t>
+              <a:t>26-08-2024</a:t>
             </a:fld>
             <a:endParaRPr lang="da-DK"/>
           </a:p>
@@ -1656,6 +1728,18 @@
   <p:clrMapOvr>
     <a:masterClrMapping/>
   </p:clrMapOvr>
+  <mc:AlternateContent xmlns:mc="http://schemas.openxmlformats.org/markup-compatibility/2006">
+    <mc:Choice xmlns:p14="http://schemas.microsoft.com/office/powerpoint/2010/main" Requires="p14">
+      <p:transition spd="med" p14:dur="700">
+        <p:fade/>
+      </p:transition>
+    </mc:Choice>
+    <mc:Fallback>
+      <p:transition spd="med">
+        <p:fade/>
+      </p:transition>
+    </mc:Fallback>
+  </mc:AlternateContent>
 </p:sldLayout>
 </file>
 
@@ -1715,7 +1799,7 @@
           <a:p>
             <a:fld id="{E15B7D8E-2A20-4C0E-991C-872DBB7459A8}" type="datetimeFigureOut">
               <a:rPr lang="da-DK" smtClean="0"/>
-              <a:t>12-08-2022</a:t>
+              <a:t>26-08-2024</a:t>
             </a:fld>
             <a:endParaRPr lang="da-DK"/>
           </a:p>
@@ -1773,6 +1857,18 @@
   <p:clrMapOvr>
     <a:masterClrMapping/>
   </p:clrMapOvr>
+  <mc:AlternateContent xmlns:mc="http://schemas.openxmlformats.org/markup-compatibility/2006">
+    <mc:Choice xmlns:p14="http://schemas.microsoft.com/office/powerpoint/2010/main" Requires="p14">
+      <p:transition spd="med" p14:dur="700">
+        <p:fade/>
+      </p:transition>
+    </mc:Choice>
+    <mc:Fallback>
+      <p:transition spd="med">
+        <p:fade/>
+      </p:transition>
+    </mc:Fallback>
+  </mc:AlternateContent>
 </p:sldLayout>
 </file>
 
@@ -1810,7 +1906,7 @@
           <a:p>
             <a:fld id="{E15B7D8E-2A20-4C0E-991C-872DBB7459A8}" type="datetimeFigureOut">
               <a:rPr lang="da-DK" smtClean="0"/>
-              <a:t>12-08-2022</a:t>
+              <a:t>26-08-2024</a:t>
             </a:fld>
             <a:endParaRPr lang="da-DK"/>
           </a:p>
@@ -1868,6 +1964,18 @@
   <p:clrMapOvr>
     <a:masterClrMapping/>
   </p:clrMapOvr>
+  <mc:AlternateContent xmlns:mc="http://schemas.openxmlformats.org/markup-compatibility/2006">
+    <mc:Choice xmlns:p14="http://schemas.microsoft.com/office/powerpoint/2010/main" Requires="p14">
+      <p:transition spd="med" p14:dur="700">
+        <p:fade/>
+      </p:transition>
+    </mc:Choice>
+    <mc:Fallback>
+      <p:transition spd="med">
+        <p:fade/>
+      </p:transition>
+    </mc:Fallback>
+  </mc:AlternateContent>
 </p:sldLayout>
 </file>
 
@@ -2085,7 +2193,7 @@
           <a:p>
             <a:fld id="{E15B7D8E-2A20-4C0E-991C-872DBB7459A8}" type="datetimeFigureOut">
               <a:rPr lang="da-DK" smtClean="0"/>
-              <a:t>12-08-2022</a:t>
+              <a:t>26-08-2024</a:t>
             </a:fld>
             <a:endParaRPr lang="da-DK"/>
           </a:p>
@@ -2143,6 +2251,18 @@
   <p:clrMapOvr>
     <a:masterClrMapping/>
   </p:clrMapOvr>
+  <mc:AlternateContent xmlns:mc="http://schemas.openxmlformats.org/markup-compatibility/2006">
+    <mc:Choice xmlns:p14="http://schemas.microsoft.com/office/powerpoint/2010/main" Requires="p14">
+      <p:transition spd="med" p14:dur="700">
+        <p:fade/>
+      </p:transition>
+    </mc:Choice>
+    <mc:Fallback>
+      <p:transition spd="med">
+        <p:fade/>
+      </p:transition>
+    </mc:Fallback>
+  </mc:AlternateContent>
 </p:sldLayout>
 </file>
 
@@ -2337,7 +2457,7 @@
           <a:p>
             <a:fld id="{E15B7D8E-2A20-4C0E-991C-872DBB7459A8}" type="datetimeFigureOut">
               <a:rPr lang="da-DK" smtClean="0"/>
-              <a:t>12-08-2022</a:t>
+              <a:t>26-08-2024</a:t>
             </a:fld>
             <a:endParaRPr lang="da-DK"/>
           </a:p>
@@ -2395,6 +2515,18 @@
   <p:clrMapOvr>
     <a:masterClrMapping/>
   </p:clrMapOvr>
+  <mc:AlternateContent xmlns:mc="http://schemas.openxmlformats.org/markup-compatibility/2006">
+    <mc:Choice xmlns:p14="http://schemas.microsoft.com/office/powerpoint/2010/main" Requires="p14">
+      <p:transition spd="med" p14:dur="700">
+        <p:fade/>
+      </p:transition>
+    </mc:Choice>
+    <mc:Fallback>
+      <p:transition spd="med">
+        <p:fade/>
+      </p:transition>
+    </mc:Fallback>
+  </mc:AlternateContent>
 </p:sldLayout>
 </file>
 
@@ -2548,7 +2680,7 @@
           <a:p>
             <a:fld id="{E15B7D8E-2A20-4C0E-991C-872DBB7459A8}" type="datetimeFigureOut">
               <a:rPr lang="da-DK" smtClean="0"/>
-              <a:t>12-08-2022</a:t>
+              <a:t>26-08-2024</a:t>
             </a:fld>
             <a:endParaRPr lang="da-DK"/>
           </a:p>
@@ -2653,6 +2785,18 @@
     <p:sldLayoutId id="2147483658" r:id="rId10"/>
     <p:sldLayoutId id="2147483659" r:id="rId11"/>
   </p:sldLayoutIdLst>
+  <mc:AlternateContent xmlns:mc="http://schemas.openxmlformats.org/markup-compatibility/2006">
+    <mc:Choice xmlns:p14="http://schemas.microsoft.com/office/powerpoint/2010/main" Requires="p14">
+      <p:transition spd="med" p14:dur="700">
+        <p:fade/>
+      </p:transition>
+    </mc:Choice>
+    <mc:Fallback>
+      <p:transition spd="med">
+        <p:fade/>
+      </p:transition>
+    </mc:Fallback>
+  </mc:AlternateContent>
   <p:txStyles>
     <p:titleStyle>
       <a:lvl1pPr algn="l" defTabSz="914400" rtl="0" eaLnBrk="1" latinLnBrk="0" hangingPunct="1">
@@ -2965,7 +3109,7 @@
         </p:nvSpPr>
         <p:spPr>
           <a:xfrm>
-            <a:off x="1175085" y="1910433"/>
+            <a:off x="1210866" y="1997897"/>
             <a:ext cx="9144000" cy="2312652"/>
           </a:xfrm>
         </p:spPr>
@@ -2999,6 +3143,18 @@
   <p:clrMapOvr>
     <a:masterClrMapping/>
   </p:clrMapOvr>
+  <mc:AlternateContent xmlns:mc="http://schemas.openxmlformats.org/markup-compatibility/2006">
+    <mc:Choice xmlns:p14="http://schemas.microsoft.com/office/powerpoint/2010/main" Requires="p14">
+      <p:transition spd="med" p14:dur="700">
+        <p:fade/>
+      </p:transition>
+    </mc:Choice>
+    <mc:Fallback>
+      <p:transition spd="med">
+        <p:fade/>
+      </p:transition>
+    </mc:Fallback>
+  </mc:AlternateContent>
 </p:sld>
 </file>
 
@@ -3295,6 +3451,18 @@
   <p:clrMapOvr>
     <a:masterClrMapping/>
   </p:clrMapOvr>
+  <mc:AlternateContent xmlns:mc="http://schemas.openxmlformats.org/markup-compatibility/2006">
+    <mc:Choice xmlns:p14="http://schemas.microsoft.com/office/powerpoint/2010/main" Requires="p14">
+      <p:transition spd="med" p14:dur="700">
+        <p:fade/>
+      </p:transition>
+    </mc:Choice>
+    <mc:Fallback>
+      <p:transition spd="med">
+        <p:fade/>
+      </p:transition>
+    </mc:Fallback>
+  </mc:AlternateContent>
 </p:sld>
 </file>
 
@@ -3486,13 +3654,13 @@
   <p:clrMapOvr>
     <a:masterClrMapping/>
   </p:clrMapOvr>
-  <mc:AlternateContent xmlns:mc="http://schemas.openxmlformats.org/markup-compatibility/2006" xmlns:p14="http://schemas.microsoft.com/office/powerpoint/2010/main">
-    <mc:Choice Requires="p14">
+  <mc:AlternateContent xmlns:mc="http://schemas.openxmlformats.org/markup-compatibility/2006">
+    <mc:Choice xmlns:p14="http://schemas.microsoft.com/office/powerpoint/2010/main" Requires="p14">
       <p:transition spd="med" p14:dur="700">
         <p:fade/>
       </p:transition>
     </mc:Choice>
-    <mc:Fallback xmlns="">
+    <mc:Fallback>
       <p:transition spd="med">
         <p:fade/>
       </p:transition>
@@ -3868,13 +4036,13 @@
   <p:clrMapOvr>
     <a:masterClrMapping/>
   </p:clrMapOvr>
-  <mc:AlternateContent xmlns:mc="http://schemas.openxmlformats.org/markup-compatibility/2006" xmlns:p14="http://schemas.microsoft.com/office/powerpoint/2010/main">
-    <mc:Choice Requires="p14">
+  <mc:AlternateContent xmlns:mc="http://schemas.openxmlformats.org/markup-compatibility/2006">
+    <mc:Choice xmlns:p14="http://schemas.microsoft.com/office/powerpoint/2010/main" Requires="p14">
       <p:transition spd="med" p14:dur="700">
         <p:fade/>
       </p:transition>
     </mc:Choice>
-    <mc:Fallback xmlns="">
+    <mc:Fallback>
       <p:transition spd="med">
         <p:fade/>
       </p:transition>
@@ -4670,13 +4838,13 @@
   <p:clrMapOvr>
     <a:masterClrMapping/>
   </p:clrMapOvr>
-  <mc:AlternateContent xmlns:mc="http://schemas.openxmlformats.org/markup-compatibility/2006" xmlns:p14="http://schemas.microsoft.com/office/powerpoint/2010/main">
-    <mc:Choice Requires="p14">
+  <mc:AlternateContent xmlns:mc="http://schemas.openxmlformats.org/markup-compatibility/2006">
+    <mc:Choice xmlns:p14="http://schemas.microsoft.com/office/powerpoint/2010/main" Requires="p14">
       <p:transition spd="med" p14:dur="700">
         <p:fade/>
       </p:transition>
     </mc:Choice>
-    <mc:Fallback xmlns="">
+    <mc:Fallback>
       <p:transition spd="med">
         <p:fade/>
       </p:transition>
@@ -4991,6 +5159,18 @@
   <p:clrMapOvr>
     <a:masterClrMapping/>
   </p:clrMapOvr>
+  <mc:AlternateContent xmlns:mc="http://schemas.openxmlformats.org/markup-compatibility/2006">
+    <mc:Choice xmlns:p14="http://schemas.microsoft.com/office/powerpoint/2010/main" Requires="p14">
+      <p:transition spd="med" p14:dur="700">
+        <p:fade/>
+      </p:transition>
+    </mc:Choice>
+    <mc:Fallback>
+      <p:transition spd="med">
+        <p:fade/>
+      </p:transition>
+    </mc:Fallback>
+  </mc:AlternateContent>
   <p:timing>
     <p:tnLst>
       <p:par>
